--- a/Step 4 - Survey Data Normalization/Normalized Survey Data Visualization/Normalized Survey Data Visualization.pptx
+++ b/Step 4 - Survey Data Normalization/Normalized Survey Data Visualization/Normalized Survey Data Visualization.pptx
@@ -9,11 +9,12 @@
     <p:sldId id="257" r:id="rId3"/>
     <p:sldId id="258" r:id="rId4"/>
     <p:sldId id="259" r:id="rId5"/>
-    <p:sldId id="260" r:id="rId6"/>
-    <p:sldId id="261" r:id="rId7"/>
-    <p:sldId id="262" r:id="rId8"/>
-    <p:sldId id="263" r:id="rId9"/>
-    <p:sldId id="264" r:id="rId10"/>
+    <p:sldId id="265" r:id="rId6"/>
+    <p:sldId id="260" r:id="rId7"/>
+    <p:sldId id="261" r:id="rId8"/>
+    <p:sldId id="262" r:id="rId9"/>
+    <p:sldId id="263" r:id="rId10"/>
+    <p:sldId id="264" r:id="rId11"/>
   </p:sldIdLst>
   <p:sldSz cx="12192000" cy="6858000"/>
   <p:notesSz cx="6858000" cy="9144000"/>
@@ -267,7 +268,7 @@
           <a:p>
             <a:fld id="{EED1C14C-A143-42F5-B247-D0E800131009}" type="datetimeFigureOut">
               <a:rPr lang="en-US" smtClean="0"/>
-              <a:t>10/1/23</a:t>
+              <a:t>10/12/23</a:t>
             </a:fld>
             <a:endParaRPr lang="en-US"/>
           </a:p>
@@ -465,7 +466,7 @@
           <a:p>
             <a:fld id="{EED1C14C-A143-42F5-B247-D0E800131009}" type="datetimeFigureOut">
               <a:rPr lang="en-US" smtClean="0"/>
-              <a:t>10/1/23</a:t>
+              <a:t>10/12/23</a:t>
             </a:fld>
             <a:endParaRPr lang="en-US"/>
           </a:p>
@@ -673,7 +674,7 @@
           <a:p>
             <a:fld id="{EED1C14C-A143-42F5-B247-D0E800131009}" type="datetimeFigureOut">
               <a:rPr lang="en-US" smtClean="0"/>
-              <a:t>10/1/23</a:t>
+              <a:t>10/12/23</a:t>
             </a:fld>
             <a:endParaRPr lang="en-US"/>
           </a:p>
@@ -871,7 +872,7 @@
           <a:p>
             <a:fld id="{EED1C14C-A143-42F5-B247-D0E800131009}" type="datetimeFigureOut">
               <a:rPr lang="en-US" smtClean="0"/>
-              <a:t>10/1/23</a:t>
+              <a:t>10/12/23</a:t>
             </a:fld>
             <a:endParaRPr lang="en-US"/>
           </a:p>
@@ -1146,7 +1147,7 @@
           <a:p>
             <a:fld id="{EED1C14C-A143-42F5-B247-D0E800131009}" type="datetimeFigureOut">
               <a:rPr lang="en-US" smtClean="0"/>
-              <a:t>10/1/23</a:t>
+              <a:t>10/12/23</a:t>
             </a:fld>
             <a:endParaRPr lang="en-US"/>
           </a:p>
@@ -1411,7 +1412,7 @@
           <a:p>
             <a:fld id="{EED1C14C-A143-42F5-B247-D0E800131009}" type="datetimeFigureOut">
               <a:rPr lang="en-US" smtClean="0"/>
-              <a:t>10/1/23</a:t>
+              <a:t>10/12/23</a:t>
             </a:fld>
             <a:endParaRPr lang="en-US"/>
           </a:p>
@@ -1823,7 +1824,7 @@
           <a:p>
             <a:fld id="{EED1C14C-A143-42F5-B247-D0E800131009}" type="datetimeFigureOut">
               <a:rPr lang="en-US" smtClean="0"/>
-              <a:t>10/1/23</a:t>
+              <a:t>10/12/23</a:t>
             </a:fld>
             <a:endParaRPr lang="en-US"/>
           </a:p>
@@ -1964,7 +1965,7 @@
           <a:p>
             <a:fld id="{EED1C14C-A143-42F5-B247-D0E800131009}" type="datetimeFigureOut">
               <a:rPr lang="en-US" smtClean="0"/>
-              <a:t>10/1/23</a:t>
+              <a:t>10/12/23</a:t>
             </a:fld>
             <a:endParaRPr lang="en-US"/>
           </a:p>
@@ -2077,7 +2078,7 @@
           <a:p>
             <a:fld id="{EED1C14C-A143-42F5-B247-D0E800131009}" type="datetimeFigureOut">
               <a:rPr lang="en-US" smtClean="0"/>
-              <a:t>10/1/23</a:t>
+              <a:t>10/12/23</a:t>
             </a:fld>
             <a:endParaRPr lang="en-US"/>
           </a:p>
@@ -2388,7 +2389,7 @@
           <a:p>
             <a:fld id="{EED1C14C-A143-42F5-B247-D0E800131009}" type="datetimeFigureOut">
               <a:rPr lang="en-US" smtClean="0"/>
-              <a:t>10/1/23</a:t>
+              <a:t>10/12/23</a:t>
             </a:fld>
             <a:endParaRPr lang="en-US"/>
           </a:p>
@@ -2676,7 +2677,7 @@
           <a:p>
             <a:fld id="{EED1C14C-A143-42F5-B247-D0E800131009}" type="datetimeFigureOut">
               <a:rPr lang="en-US" smtClean="0"/>
-              <a:t>10/1/23</a:t>
+              <a:t>10/12/23</a:t>
             </a:fld>
             <a:endParaRPr lang="en-US"/>
           </a:p>
@@ -2917,7 +2918,7 @@
           <a:p>
             <a:fld id="{EED1C14C-A143-42F5-B247-D0E800131009}" type="datetimeFigureOut">
               <a:rPr lang="en-US" smtClean="0"/>
-              <a:t>10/1/23</a:t>
+              <a:t>10/12/23</a:t>
             </a:fld>
             <a:endParaRPr lang="en-US"/>
           </a:p>
@@ -3339,7 +3340,7 @@
           <p:cNvPr id="2" name="slide1">
             <a:extLst>
               <a:ext uri="{FF2B5EF4-FFF2-40B4-BE49-F238E27FC236}">
-                <a16:creationId xmlns:a16="http://schemas.microsoft.com/office/drawing/2014/main" id="{3F923916-9DC2-4E89-9085-9AAA14B9D332}"/>
+                <a16:creationId xmlns:a16="http://schemas.microsoft.com/office/drawing/2014/main" id="{65692B4D-7A20-45FC-A0F5-75DFAE67CB9F}"/>
               </a:ext>
             </a:extLst>
           </p:cNvPr>
@@ -3352,16 +3353,13 @@
         </p:nvSpPr>
         <p:spPr/>
         <p:txBody>
-          <a:bodyPr>
-            <a:normAutofit/>
-          </a:bodyPr>
-          <a:lstStyle/>
-          <a:p>
-            <a:r>
-              <a:rPr lang="en-US" sz="4400" dirty="0"/>
+          <a:bodyPr/>
+          <a:lstStyle/>
+          <a:p>
+            <a:r>
+              <a:rPr dirty="0"/>
               <a:t>Normalized Survey Data Visualization</a:t>
             </a:r>
-            <a:endParaRPr sz="4400" dirty="0"/>
           </a:p>
         </p:txBody>
       </p:sp>
@@ -3370,7 +3368,7 @@
           <p:cNvPr id="3" name="slide1">
             <a:extLst>
               <a:ext uri="{FF2B5EF4-FFF2-40B4-BE49-F238E27FC236}">
-                <a16:creationId xmlns:a16="http://schemas.microsoft.com/office/drawing/2014/main" id="{32150E22-5C53-4D20-AA99-0F5BDD4411CB}"/>
+                <a16:creationId xmlns:a16="http://schemas.microsoft.com/office/drawing/2014/main" id="{5D63D38C-9466-4490-BBCE-D6B4EC426C39}"/>
               </a:ext>
             </a:extLst>
           </p:cNvPr>
@@ -3396,6 +3394,72 @@
           </a:p>
         </p:txBody>
       </p:sp>
+    </p:spTree>
+    <p:extLst>
+      <p:ext uri="{BB962C8B-B14F-4D97-AF65-F5344CB8AC3E}">
+        <p14:creationId xmlns:p14="http://schemas.microsoft.com/office/powerpoint/2010/main" val="95992585"/>
+      </p:ext>
+    </p:extLst>
+  </p:cSld>
+  <p:clrMapOvr>
+    <a:masterClrMapping/>
+  </p:clrMapOvr>
+</p:sld>
+</file>
+
+<file path=ppt/slides/slide10.xml><?xml version="1.0" encoding="utf-8"?>
+<p:sld xmlns:a="http://schemas.openxmlformats.org/drawingml/2006/main" xmlns:r="http://schemas.openxmlformats.org/officeDocument/2006/relationships" xmlns:p="http://schemas.openxmlformats.org/presentationml/2006/main">
+  <p:cSld>
+    <p:spTree>
+      <p:nvGrpSpPr>
+        <p:cNvPr id="1" name=""/>
+        <p:cNvGrpSpPr/>
+        <p:nvPr/>
+      </p:nvGrpSpPr>
+      <p:grpSpPr>
+        <a:xfrm>
+          <a:off x="0" y="0"/>
+          <a:ext cx="0" cy="0"/>
+          <a:chOff x="0" y="0"/>
+          <a:chExt cx="0" cy="0"/>
+        </a:xfrm>
+      </p:grpSpPr>
+      <p:pic>
+        <p:nvPicPr>
+          <p:cNvPr id="9" name="slide9" descr="Learn More about E-bikes">
+            <a:extLst>
+              <a:ext uri="{FF2B5EF4-FFF2-40B4-BE49-F238E27FC236}">
+                <a16:creationId xmlns:a16="http://schemas.microsoft.com/office/drawing/2014/main" id="{5CF6332E-E7B0-41E7-9EB7-AE8C02A7F684}"/>
+              </a:ext>
+            </a:extLst>
+          </p:cNvPr>
+          <p:cNvPicPr>
+            <a:picLocks noChangeAspect="1"/>
+          </p:cNvPicPr>
+          <p:nvPr/>
+        </p:nvPicPr>
+        <p:blipFill>
+          <a:blip r:embed="rId2">
+            <a:extLst>
+              <a:ext uri="{28A0092B-C50C-407E-A947-70E740481C1C}">
+                <a14:useLocalDpi xmlns:a14="http://schemas.microsoft.com/office/drawing/2010/main" val="0"/>
+              </a:ext>
+            </a:extLst>
+          </a:blip>
+          <a:stretch>
+            <a:fillRect/>
+          </a:stretch>
+        </p:blipFill>
+        <p:spPr>
+          <a:xfrm>
+            <a:off x="59658" y="0"/>
+            <a:ext cx="12072683" cy="6858000"/>
+          </a:xfrm>
+          <a:prstGeom prst="rect">
+            <a:avLst/>
+          </a:prstGeom>
+        </p:spPr>
+      </p:pic>
     </p:spTree>
     <p:extLst>
       <p:ext uri="{BB962C8B-B14F-4D97-AF65-F5344CB8AC3E}">
@@ -3431,7 +3495,7 @@
           <p:cNvPr id="2" name="slide2" descr="Bike Rider">
             <a:extLst>
               <a:ext uri="{FF2B5EF4-FFF2-40B4-BE49-F238E27FC236}">
-                <a16:creationId xmlns:a16="http://schemas.microsoft.com/office/drawing/2014/main" id="{C29B14E1-0E62-41F5-8E13-5F7BD53966CA}"/>
+                <a16:creationId xmlns:a16="http://schemas.microsoft.com/office/drawing/2014/main" id="{C65D7F28-965D-4980-B498-431FDB76D847}"/>
               </a:ext>
             </a:extLst>
           </p:cNvPr>
@@ -3454,8 +3518,8 @@
         </p:blipFill>
         <p:spPr>
           <a:xfrm>
-            <a:off x="1976437" y="509587"/>
-            <a:ext cx="8239125" cy="5838825"/>
+            <a:off x="661358" y="0"/>
+            <a:ext cx="10869283" cy="6858000"/>
           </a:xfrm>
           <a:prstGeom prst="rect">
             <a:avLst/>
@@ -3497,7 +3561,7 @@
           <p:cNvPr id="3" name="slide3" descr="Ebike Rider">
             <a:extLst>
               <a:ext uri="{FF2B5EF4-FFF2-40B4-BE49-F238E27FC236}">
-                <a16:creationId xmlns:a16="http://schemas.microsoft.com/office/drawing/2014/main" id="{0C58882F-28EB-4E4E-B109-2DE2537587A0}"/>
+                <a16:creationId xmlns:a16="http://schemas.microsoft.com/office/drawing/2014/main" id="{AA65846F-FCA9-4B24-900C-B46BB6D46328}"/>
               </a:ext>
             </a:extLst>
           </p:cNvPr>
@@ -3520,8 +3584,8 @@
         </p:blipFill>
         <p:spPr>
           <a:xfrm>
-            <a:off x="1309687" y="509587"/>
-            <a:ext cx="9572625" cy="5838825"/>
+            <a:off x="178981" y="0"/>
+            <a:ext cx="11834037" cy="6858000"/>
           </a:xfrm>
           <a:prstGeom prst="rect">
             <a:avLst/>
@@ -3563,7 +3627,7 @@
           <p:cNvPr id="4" name="slide4" descr="Means of Commute">
             <a:extLst>
               <a:ext uri="{FF2B5EF4-FFF2-40B4-BE49-F238E27FC236}">
-                <a16:creationId xmlns:a16="http://schemas.microsoft.com/office/drawing/2014/main" id="{9C9E6425-B225-470D-A506-894F0FAB64B9}"/>
+                <a16:creationId xmlns:a16="http://schemas.microsoft.com/office/drawing/2014/main" id="{FA6BF6CF-7B90-4CFA-AC14-7D14B6C28FD8}"/>
               </a:ext>
             </a:extLst>
           </p:cNvPr>
@@ -3586,8 +3650,8 @@
         </p:blipFill>
         <p:spPr>
           <a:xfrm>
-            <a:off x="1309687" y="509587"/>
-            <a:ext cx="9572625" cy="5838825"/>
+            <a:off x="178981" y="0"/>
+            <a:ext cx="11834037" cy="6858000"/>
           </a:xfrm>
           <a:prstGeom prst="rect">
             <a:avLst/>
@@ -3626,10 +3690,10 @@
       </p:grpSpPr>
       <p:pic>
         <p:nvPicPr>
-          <p:cNvPr id="5" name="slide5" descr="Try Ebike">
-            <a:extLst>
-              <a:ext uri="{FF2B5EF4-FFF2-40B4-BE49-F238E27FC236}">
-                <a16:creationId xmlns:a16="http://schemas.microsoft.com/office/drawing/2014/main" id="{411B231B-0603-4C95-B655-01233754A8D2}"/>
+          <p:cNvPr id="10" name="slide10" descr="Length of Commute">
+            <a:extLst>
+              <a:ext uri="{FF2B5EF4-FFF2-40B4-BE49-F238E27FC236}">
+                <a16:creationId xmlns:a16="http://schemas.microsoft.com/office/drawing/2014/main" id="{E7C958B1-B16C-4927-B055-B22D6970A849}"/>
               </a:ext>
             </a:extLst>
           </p:cNvPr>
@@ -3652,8 +3716,8 @@
         </p:blipFill>
         <p:spPr>
           <a:xfrm>
-            <a:off x="1309687" y="509587"/>
-            <a:ext cx="9572625" cy="5838825"/>
+            <a:off x="742231" y="0"/>
+            <a:ext cx="10707538" cy="6858000"/>
           </a:xfrm>
           <a:prstGeom prst="rect">
             <a:avLst/>
@@ -3692,10 +3756,10 @@
       </p:grpSpPr>
       <p:pic>
         <p:nvPicPr>
-          <p:cNvPr id="6" name="slide6" descr="E-bike Class">
-            <a:extLst>
-              <a:ext uri="{FF2B5EF4-FFF2-40B4-BE49-F238E27FC236}">
-                <a16:creationId xmlns:a16="http://schemas.microsoft.com/office/drawing/2014/main" id="{370639FB-7638-4942-962E-EBEC426EB1E5}"/>
+          <p:cNvPr id="5" name="slide5" descr="Try Ebike">
+            <a:extLst>
+              <a:ext uri="{FF2B5EF4-FFF2-40B4-BE49-F238E27FC236}">
+                <a16:creationId xmlns:a16="http://schemas.microsoft.com/office/drawing/2014/main" id="{D46CBB15-D5E3-406B-9C9F-8D0BE667931A}"/>
               </a:ext>
             </a:extLst>
           </p:cNvPr>
@@ -3718,8 +3782,8 @@
         </p:blipFill>
         <p:spPr>
           <a:xfrm>
-            <a:off x="1309687" y="509587"/>
-            <a:ext cx="9572625" cy="5838825"/>
+            <a:off x="178981" y="0"/>
+            <a:ext cx="11834037" cy="6858000"/>
           </a:xfrm>
           <a:prstGeom prst="rect">
             <a:avLst/>
@@ -3758,10 +3822,10 @@
       </p:grpSpPr>
       <p:pic>
         <p:nvPicPr>
-          <p:cNvPr id="7" name="slide7" descr="E-bike Rules">
-            <a:extLst>
-              <a:ext uri="{FF2B5EF4-FFF2-40B4-BE49-F238E27FC236}">
-                <a16:creationId xmlns:a16="http://schemas.microsoft.com/office/drawing/2014/main" id="{BC492D09-519C-4DB1-A6F6-8FCE73FC3BDA}"/>
+          <p:cNvPr id="6" name="slide6" descr="E-bike Class">
+            <a:extLst>
+              <a:ext uri="{FF2B5EF4-FFF2-40B4-BE49-F238E27FC236}">
+                <a16:creationId xmlns:a16="http://schemas.microsoft.com/office/drawing/2014/main" id="{DB913B7B-13D3-401C-B417-57D933F610A9}"/>
               </a:ext>
             </a:extLst>
           </p:cNvPr>
@@ -3784,8 +3848,8 @@
         </p:blipFill>
         <p:spPr>
           <a:xfrm>
-            <a:off x="1309687" y="509587"/>
-            <a:ext cx="9572625" cy="5838825"/>
+            <a:off x="178981" y="0"/>
+            <a:ext cx="11834037" cy="6858000"/>
           </a:xfrm>
           <a:prstGeom prst="rect">
             <a:avLst/>
@@ -3824,10 +3888,10 @@
       </p:grpSpPr>
       <p:pic>
         <p:nvPicPr>
-          <p:cNvPr id="8" name="slide8" descr="E-bike Safty">
-            <a:extLst>
-              <a:ext uri="{FF2B5EF4-FFF2-40B4-BE49-F238E27FC236}">
-                <a16:creationId xmlns:a16="http://schemas.microsoft.com/office/drawing/2014/main" id="{85B8E526-E8AA-4A16-A849-A3DC357E5664}"/>
+          <p:cNvPr id="7" name="slide7" descr="E-bike Rules">
+            <a:extLst>
+              <a:ext uri="{FF2B5EF4-FFF2-40B4-BE49-F238E27FC236}">
+                <a16:creationId xmlns:a16="http://schemas.microsoft.com/office/drawing/2014/main" id="{D130EF3A-59B7-427D-BB0F-E2ACDC4085A6}"/>
               </a:ext>
             </a:extLst>
           </p:cNvPr>
@@ -3850,8 +3914,8 @@
         </p:blipFill>
         <p:spPr>
           <a:xfrm>
-            <a:off x="1309687" y="509587"/>
-            <a:ext cx="9572625" cy="5838825"/>
+            <a:off x="178981" y="0"/>
+            <a:ext cx="11834037" cy="6858000"/>
           </a:xfrm>
           <a:prstGeom prst="rect">
             <a:avLst/>
@@ -3890,10 +3954,10 @@
       </p:grpSpPr>
       <p:pic>
         <p:nvPicPr>
-          <p:cNvPr id="9" name="slide9" descr="Learn More about E-bikes">
-            <a:extLst>
-              <a:ext uri="{FF2B5EF4-FFF2-40B4-BE49-F238E27FC236}">
-                <a16:creationId xmlns:a16="http://schemas.microsoft.com/office/drawing/2014/main" id="{624B681C-DC3A-4E05-B75D-6B8371DFDD88}"/>
+          <p:cNvPr id="8" name="slide8" descr="E-bike Safty">
+            <a:extLst>
+              <a:ext uri="{FF2B5EF4-FFF2-40B4-BE49-F238E27FC236}">
+                <a16:creationId xmlns:a16="http://schemas.microsoft.com/office/drawing/2014/main" id="{C30A19FA-8CBA-4AD9-8978-94F90D43586E}"/>
               </a:ext>
             </a:extLst>
           </p:cNvPr>
@@ -3916,8 +3980,8 @@
         </p:blipFill>
         <p:spPr>
           <a:xfrm>
-            <a:off x="1309687" y="533400"/>
-            <a:ext cx="9572625" cy="5791200"/>
+            <a:off x="178981" y="0"/>
+            <a:ext cx="11834037" cy="6858000"/>
           </a:xfrm>
           <a:prstGeom prst="rect">
             <a:avLst/>
